--- a/lecture/Python_2_기본.pptx
+++ b/lecture/Python_2_기본.pptx
@@ -279,7 +279,7 @@
           <a:p>
             <a:fld id="{0EBE7A2E-2C36-44EF-96FF-F99AC74D6CC3}" type="datetimeFigureOut">
               <a:rPr lang="ko-KR" altLang="en-US" smtClean="0"/>
-              <a:t>2017-02-28</a:t>
+              <a:t>2017-03-06</a:t>
             </a:fld>
             <a:endParaRPr lang="ko-KR" altLang="en-US"/>
           </a:p>
@@ -449,7 +449,7 @@
           <a:p>
             <a:fld id="{0EBE7A2E-2C36-44EF-96FF-F99AC74D6CC3}" type="datetimeFigureOut">
               <a:rPr lang="ko-KR" altLang="en-US" smtClean="0"/>
-              <a:t>2017-02-28</a:t>
+              <a:t>2017-03-06</a:t>
             </a:fld>
             <a:endParaRPr lang="ko-KR" altLang="en-US"/>
           </a:p>
@@ -629,7 +629,7 @@
           <a:p>
             <a:fld id="{0EBE7A2E-2C36-44EF-96FF-F99AC74D6CC3}" type="datetimeFigureOut">
               <a:rPr lang="ko-KR" altLang="en-US" smtClean="0"/>
-              <a:t>2017-02-28</a:t>
+              <a:t>2017-03-06</a:t>
             </a:fld>
             <a:endParaRPr lang="ko-KR" altLang="en-US"/>
           </a:p>
@@ -799,7 +799,7 @@
           <a:p>
             <a:fld id="{0EBE7A2E-2C36-44EF-96FF-F99AC74D6CC3}" type="datetimeFigureOut">
               <a:rPr lang="ko-KR" altLang="en-US" smtClean="0"/>
-              <a:t>2017-02-28</a:t>
+              <a:t>2017-03-06</a:t>
             </a:fld>
             <a:endParaRPr lang="ko-KR" altLang="en-US"/>
           </a:p>
@@ -1045,7 +1045,7 @@
           <a:p>
             <a:fld id="{0EBE7A2E-2C36-44EF-96FF-F99AC74D6CC3}" type="datetimeFigureOut">
               <a:rPr lang="ko-KR" altLang="en-US" smtClean="0"/>
-              <a:t>2017-02-28</a:t>
+              <a:t>2017-03-06</a:t>
             </a:fld>
             <a:endParaRPr lang="ko-KR" altLang="en-US"/>
           </a:p>
@@ -1277,7 +1277,7 @@
           <a:p>
             <a:fld id="{0EBE7A2E-2C36-44EF-96FF-F99AC74D6CC3}" type="datetimeFigureOut">
               <a:rPr lang="ko-KR" altLang="en-US" smtClean="0"/>
-              <a:t>2017-02-28</a:t>
+              <a:t>2017-03-06</a:t>
             </a:fld>
             <a:endParaRPr lang="ko-KR" altLang="en-US"/>
           </a:p>
@@ -1644,7 +1644,7 @@
           <a:p>
             <a:fld id="{0EBE7A2E-2C36-44EF-96FF-F99AC74D6CC3}" type="datetimeFigureOut">
               <a:rPr lang="ko-KR" altLang="en-US" smtClean="0"/>
-              <a:t>2017-02-28</a:t>
+              <a:t>2017-03-06</a:t>
             </a:fld>
             <a:endParaRPr lang="ko-KR" altLang="en-US"/>
           </a:p>
@@ -1762,7 +1762,7 @@
           <a:p>
             <a:fld id="{0EBE7A2E-2C36-44EF-96FF-F99AC74D6CC3}" type="datetimeFigureOut">
               <a:rPr lang="ko-KR" altLang="en-US" smtClean="0"/>
-              <a:t>2017-02-28</a:t>
+              <a:t>2017-03-06</a:t>
             </a:fld>
             <a:endParaRPr lang="ko-KR" altLang="en-US"/>
           </a:p>
@@ -1857,7 +1857,7 @@
           <a:p>
             <a:fld id="{0EBE7A2E-2C36-44EF-96FF-F99AC74D6CC3}" type="datetimeFigureOut">
               <a:rPr lang="ko-KR" altLang="en-US" smtClean="0"/>
-              <a:t>2017-02-28</a:t>
+              <a:t>2017-03-06</a:t>
             </a:fld>
             <a:endParaRPr lang="ko-KR" altLang="en-US"/>
           </a:p>
@@ -2134,7 +2134,7 @@
           <a:p>
             <a:fld id="{0EBE7A2E-2C36-44EF-96FF-F99AC74D6CC3}" type="datetimeFigureOut">
               <a:rPr lang="ko-KR" altLang="en-US" smtClean="0"/>
-              <a:t>2017-02-28</a:t>
+              <a:t>2017-03-06</a:t>
             </a:fld>
             <a:endParaRPr lang="ko-KR" altLang="en-US"/>
           </a:p>
@@ -2387,7 +2387,7 @@
           <a:p>
             <a:fld id="{0EBE7A2E-2C36-44EF-96FF-F99AC74D6CC3}" type="datetimeFigureOut">
               <a:rPr lang="ko-KR" altLang="en-US" smtClean="0"/>
-              <a:t>2017-02-28</a:t>
+              <a:t>2017-03-06</a:t>
             </a:fld>
             <a:endParaRPr lang="ko-KR" altLang="en-US"/>
           </a:p>
@@ -2600,7 +2600,7 @@
           <a:p>
             <a:fld id="{0EBE7A2E-2C36-44EF-96FF-F99AC74D6CC3}" type="datetimeFigureOut">
               <a:rPr lang="ko-KR" altLang="en-US" smtClean="0"/>
-              <a:t>2017-02-28</a:t>
+              <a:t>2017-03-06</a:t>
             </a:fld>
             <a:endParaRPr lang="ko-KR" altLang="en-US"/>
           </a:p>
@@ -3568,7 +3568,14 @@
                 <a:latin typeface="Consolas" panose="020B0609020204030204" pitchFamily="49" charset="0"/>
                 <a:cs typeface="Consolas" panose="020B0609020204030204" pitchFamily="49" charset="0"/>
               </a:rPr>
-              <a:t>print 'Hello, world!'</a:t>
+              <a:t>print </a:t>
+            </a:r>
+            <a:r>
+              <a:rPr lang="en-US" altLang="ko-KR" spc="-150" dirty="0" smtClean="0">
+                <a:latin typeface="Consolas" panose="020B0609020204030204" pitchFamily="49" charset="0"/>
+                <a:cs typeface="Consolas" panose="020B0609020204030204" pitchFamily="49" charset="0"/>
+              </a:rPr>
+              <a:t>'Hello, world!'</a:t>
             </a:r>
           </a:p>
           <a:p>
@@ -5820,8 +5827,40 @@
                 <a:latin typeface="Consolas" panose="020B0609020204030204" pitchFamily="49" charset="0"/>
                 <a:cs typeface="Consolas" panose="020B0609020204030204" pitchFamily="49" charset="0"/>
               </a:rPr>
-              <a:t>name = "Brad Pitt"</a:t>
-            </a:r>
+              <a:t>name = </a:t>
+            </a:r>
+            <a:r>
+              <a:rPr lang="en-US" altLang="ko-KR" spc="-150" dirty="0" smtClean="0">
+                <a:latin typeface="Consolas" panose="020B0609020204030204" pitchFamily="49" charset="0"/>
+                <a:cs typeface="Consolas" panose="020B0609020204030204" pitchFamily="49" charset="0"/>
+              </a:rPr>
+              <a:t>"</a:t>
+            </a:r>
+            <a:r>
+              <a:rPr lang="en-US" altLang="ko-KR" spc="-150" dirty="0" err="1" smtClean="0">
+                <a:latin typeface="Consolas" panose="020B0609020204030204" pitchFamily="49" charset="0"/>
+                <a:cs typeface="Consolas" panose="020B0609020204030204" pitchFamily="49" charset="0"/>
+              </a:rPr>
+              <a:t>Kyungsub</a:t>
+            </a:r>
+            <a:r>
+              <a:rPr lang="en-US" altLang="ko-KR" spc="-150" dirty="0" smtClean="0">
+                <a:latin typeface="Consolas" panose="020B0609020204030204" pitchFamily="49" charset="0"/>
+                <a:cs typeface="Consolas" panose="020B0609020204030204" pitchFamily="49" charset="0"/>
+              </a:rPr>
+              <a:t> Lee</a:t>
+            </a:r>
+            <a:r>
+              <a:rPr lang="en-US" altLang="ko-KR" spc="-150" dirty="0" smtClean="0">
+                <a:latin typeface="Consolas" panose="020B0609020204030204" pitchFamily="49" charset="0"/>
+                <a:cs typeface="Consolas" panose="020B0609020204030204" pitchFamily="49" charset="0"/>
+              </a:rPr>
+              <a:t>"</a:t>
+            </a:r>
+            <a:endParaRPr lang="en-US" altLang="ko-KR" spc="-150" dirty="0" smtClean="0">
+              <a:latin typeface="Consolas" panose="020B0609020204030204" pitchFamily="49" charset="0"/>
+              <a:cs typeface="Consolas" panose="020B0609020204030204" pitchFamily="49" charset="0"/>
+            </a:endParaRPr>
           </a:p>
           <a:p>
             <a:r>
@@ -6354,7 +6393,7 @@
           <a:p>
             <a:r>
               <a:rPr lang="en-US" altLang="ko-KR" dirty="0" smtClean="0"/>
-              <a:t>overload</a:t>
+              <a:t>overloading</a:t>
             </a:r>
             <a:endParaRPr lang="ko-KR" altLang="en-US" dirty="0"/>
           </a:p>
@@ -6429,12 +6468,16 @@
               <a:t>이를 연산자 </a:t>
             </a:r>
             <a:r>
-              <a:rPr lang="en-US" altLang="ko-KR" dirty="0" smtClean="0"/>
-              <a:t>overload</a:t>
-            </a:r>
-            <a:r>
-              <a:rPr lang="ko-KR" altLang="en-US" dirty="0" smtClean="0"/>
-              <a:t>라고 한다</a:t>
+              <a:rPr lang="en-US" altLang="ko-KR" smtClean="0"/>
+              <a:t>overloading</a:t>
+            </a:r>
+            <a:r>
+              <a:rPr lang="ko-KR" altLang="en-US" smtClean="0"/>
+              <a:t>라고 </a:t>
+            </a:r>
+            <a:r>
+              <a:rPr lang="ko-KR" altLang="en-US" dirty="0" smtClean="0"/>
+              <a:t>한다</a:t>
             </a:r>
             <a:r>
               <a:rPr lang="en-US" altLang="ko-KR" dirty="0" smtClean="0"/>

--- a/lecture/Python_2_기본.pptx
+++ b/lecture/Python_2_기본.pptx
@@ -3568,14 +3568,7 @@
                 <a:latin typeface="Consolas" panose="020B0609020204030204" pitchFamily="49" charset="0"/>
                 <a:cs typeface="Consolas" panose="020B0609020204030204" pitchFamily="49" charset="0"/>
               </a:rPr>
-              <a:t>print </a:t>
-            </a:r>
-            <a:r>
-              <a:rPr lang="en-US" altLang="ko-KR" spc="-150" dirty="0" smtClean="0">
-                <a:latin typeface="Consolas" panose="020B0609020204030204" pitchFamily="49" charset="0"/>
-                <a:cs typeface="Consolas" panose="020B0609020204030204" pitchFamily="49" charset="0"/>
-              </a:rPr>
-              <a:t>'Hello, world!'</a:t>
+              <a:t>print 'Hello, world!'</a:t>
             </a:r>
           </a:p>
           <a:p>
@@ -5827,14 +5820,7 @@
                 <a:latin typeface="Consolas" panose="020B0609020204030204" pitchFamily="49" charset="0"/>
                 <a:cs typeface="Consolas" panose="020B0609020204030204" pitchFamily="49" charset="0"/>
               </a:rPr>
-              <a:t>name = </a:t>
-            </a:r>
-            <a:r>
-              <a:rPr lang="en-US" altLang="ko-KR" spc="-150" dirty="0" smtClean="0">
-                <a:latin typeface="Consolas" panose="020B0609020204030204" pitchFamily="49" charset="0"/>
-                <a:cs typeface="Consolas" panose="020B0609020204030204" pitchFamily="49" charset="0"/>
-              </a:rPr>
-              <a:t>"</a:t>
+              <a:t>name = "</a:t>
             </a:r>
             <a:r>
               <a:rPr lang="en-US" altLang="ko-KR" spc="-150" dirty="0" err="1" smtClean="0">
@@ -5848,19 +5834,8 @@
                 <a:latin typeface="Consolas" panose="020B0609020204030204" pitchFamily="49" charset="0"/>
                 <a:cs typeface="Consolas" panose="020B0609020204030204" pitchFamily="49" charset="0"/>
               </a:rPr>
-              <a:t> Lee</a:t>
-            </a:r>
-            <a:r>
-              <a:rPr lang="en-US" altLang="ko-KR" spc="-150" dirty="0" smtClean="0">
-                <a:latin typeface="Consolas" panose="020B0609020204030204" pitchFamily="49" charset="0"/>
-                <a:cs typeface="Consolas" panose="020B0609020204030204" pitchFamily="49" charset="0"/>
-              </a:rPr>
-              <a:t>"</a:t>
-            </a:r>
-            <a:endParaRPr lang="en-US" altLang="ko-KR" spc="-150" dirty="0" smtClean="0">
-              <a:latin typeface="Consolas" panose="020B0609020204030204" pitchFamily="49" charset="0"/>
-              <a:cs typeface="Consolas" panose="020B0609020204030204" pitchFamily="49" charset="0"/>
-            </a:endParaRPr>
+              <a:t> Lee"</a:t>
+            </a:r>
           </a:p>
           <a:p>
             <a:r>
@@ -8807,16 +8782,52 @@
               <a:t>print 'The square of </a:t>
             </a:r>
             <a:r>
+              <a:rPr lang="en-US" altLang="ko-KR" spc="-150" dirty="0" smtClean="0">
+                <a:latin typeface="Consolas" panose="020B0609020204030204" pitchFamily="49" charset="0"/>
+              </a:rPr>
+              <a:t>' </a:t>
+            </a:r>
+            <a:r>
+              <a:rPr lang="en-US" altLang="ko-KR" spc="-150" dirty="0" smtClean="0">
+                <a:latin typeface="Consolas" panose="020B0609020204030204" pitchFamily="49" charset="0"/>
+              </a:rPr>
+              <a:t>+ </a:t>
+            </a:r>
+            <a:r>
               <a:rPr lang="en-US" altLang="ko-KR" spc="-150" dirty="0" err="1" smtClean="0">
                 <a:latin typeface="Consolas" panose="020B0609020204030204" pitchFamily="49" charset="0"/>
               </a:rPr>
+              <a:t>str</a:t>
+            </a:r>
+            <a:r>
+              <a:rPr lang="en-US" altLang="ko-KR" spc="-150" dirty="0" smtClean="0">
+                <a:latin typeface="Consolas" panose="020B0609020204030204" pitchFamily="49" charset="0"/>
+              </a:rPr>
+              <a:t>(</a:t>
+            </a:r>
+            <a:r>
+              <a:rPr lang="en-US" altLang="ko-KR" spc="-150" dirty="0" err="1" smtClean="0">
+                <a:latin typeface="Consolas" panose="020B0609020204030204" pitchFamily="49" charset="0"/>
+              </a:rPr>
               <a:t>num</a:t>
             </a:r>
             <a:r>
-              <a:rPr lang="en-US" altLang="ko-KR" spc="-150" dirty="0" smtClean="0">
-                <a:latin typeface="Consolas" panose="020B0609020204030204" pitchFamily="49" charset="0"/>
-              </a:rPr>
-              <a:t> is ' + </a:t>
+              <a:rPr lang="en-US" altLang="ko-KR" spc="-150" smtClean="0">
+                <a:latin typeface="Consolas" panose="020B0609020204030204" pitchFamily="49" charset="0"/>
+              </a:rPr>
+              <a:t>) + '</a:t>
+            </a:r>
+            <a:r>
+              <a:rPr lang="en-US" altLang="ko-KR" spc="-150" smtClean="0">
+                <a:latin typeface="Consolas" panose="020B0609020204030204" pitchFamily="49" charset="0"/>
+              </a:rPr>
+              <a:t> </a:t>
+            </a:r>
+            <a:r>
+              <a:rPr lang="en-US" altLang="ko-KR" spc="-150" dirty="0" smtClean="0">
+                <a:latin typeface="Consolas" panose="020B0609020204030204" pitchFamily="49" charset="0"/>
+              </a:rPr>
+              <a:t>is ' + </a:t>
             </a:r>
             <a:r>
               <a:rPr lang="en-US" altLang="ko-KR" spc="-150" dirty="0" err="1" smtClean="0">
